--- a/10/yongki/ProtocolStackPart1.pptx
+++ b/10/yongki/ProtocolStackPart1.pptx
@@ -248,7 +248,7 @@
           <a:p>
             <a:fld id="{278A5395-7299-4714-9E5C-8983F2B9A6E7}" type="datetimeFigureOut">
               <a:rPr lang="ko-KR" altLang="en-US" smtClean="0"/>
-              <a:t>2022-02-26</a:t>
+              <a:t>2022-02-27</a:t>
             </a:fld>
             <a:endParaRPr lang="ko-KR" altLang="en-US"/>
           </a:p>
@@ -4758,7 +4758,7 @@
         <p:spPr bwMode="auto">
           <a:xfrm>
             <a:off x="5292080" y="3289568"/>
-            <a:ext cx="2791665" cy="523220"/>
+            <a:ext cx="3096344" cy="1384995"/>
           </a:xfrm>
           <a:prstGeom prst="rect">
             <a:avLst/>
@@ -4961,6 +4961,102 @@
                 <a:hlinkClick r:id="rId3"/>
               </a:rPr>
             </a:br>
+            <a:br>
+              <a:rPr lang="en-US" altLang="ko-KR" sz="1400" b="1">
+                <a:solidFill>
+                  <a:srgbClr val="24292F"/>
+                </a:solidFill>
+                <a:latin typeface="맑은 고딕" panose="020B0503020000020004" pitchFamily="50" charset="-127"/>
+                <a:ea typeface="맑은 고딕" panose="020B0503020000020004" pitchFamily="50" charset="-127"/>
+              </a:rPr>
+            </a:br>
+            <a:r>
+              <a:rPr lang="ko-KR" altLang="en-US" sz="1400">
+                <a:solidFill>
+                  <a:srgbClr val="24292F"/>
+                </a:solidFill>
+                <a:latin typeface="맑은 고딕" panose="020B0503020000020004" pitchFamily="50" charset="-127"/>
+                <a:ea typeface="맑은 고딕" panose="020B0503020000020004" pitchFamily="50" charset="-127"/>
+              </a:rPr>
+              <a:t>케이블은 항상 연결되어 있어</a:t>
+            </a:r>
+            <a:r>
+              <a:rPr lang="en-US" altLang="ko-KR" sz="1400">
+                <a:solidFill>
+                  <a:srgbClr val="24292F"/>
+                </a:solidFill>
+                <a:latin typeface="맑은 고딕" panose="020B0503020000020004" pitchFamily="50" charset="-127"/>
+                <a:ea typeface="맑은 고딕" panose="020B0503020000020004" pitchFamily="50" charset="-127"/>
+              </a:rPr>
+              <a:t>,</a:t>
+            </a:r>
+            <a:br>
+              <a:rPr lang="en-US" altLang="ko-KR" sz="1400">
+                <a:solidFill>
+                  <a:srgbClr val="24292F"/>
+                </a:solidFill>
+                <a:latin typeface="맑은 고딕" panose="020B0503020000020004" pitchFamily="50" charset="-127"/>
+                <a:ea typeface="맑은 고딕" panose="020B0503020000020004" pitchFamily="50" charset="-127"/>
+              </a:rPr>
+            </a:br>
+            <a:br>
+              <a:rPr lang="en-US" altLang="ko-KR" sz="1400">
+                <a:solidFill>
+                  <a:srgbClr val="24292F"/>
+                </a:solidFill>
+                <a:latin typeface="맑은 고딕" panose="020B0503020000020004" pitchFamily="50" charset="-127"/>
+                <a:ea typeface="맑은 고딕" panose="020B0503020000020004" pitchFamily="50" charset="-127"/>
+              </a:rPr>
+            </a:br>
+            <a:r>
+              <a:rPr lang="ko-KR" altLang="en-US" sz="1400">
+                <a:solidFill>
+                  <a:srgbClr val="24292F"/>
+                </a:solidFill>
+                <a:latin typeface="맑은 고딕" panose="020B0503020000020004" pitchFamily="50" charset="-127"/>
+                <a:ea typeface="맑은 고딕" panose="020B0503020000020004" pitchFamily="50" charset="-127"/>
+              </a:rPr>
+              <a:t>제어 정보를 통해 </a:t>
+            </a:r>
+            <a:br>
+              <a:rPr lang="en-US" altLang="ko-KR" sz="1400">
+                <a:solidFill>
+                  <a:srgbClr val="24292F"/>
+                </a:solidFill>
+                <a:latin typeface="맑은 고딕" panose="020B0503020000020004" pitchFamily="50" charset="-127"/>
+                <a:ea typeface="맑은 고딕" panose="020B0503020000020004" pitchFamily="50" charset="-127"/>
+              </a:rPr>
+            </a:br>
+            <a:r>
+              <a:rPr lang="ko-KR" altLang="en-US" sz="1400">
+                <a:solidFill>
+                  <a:srgbClr val="24292F"/>
+                </a:solidFill>
+                <a:latin typeface="맑은 고딕" panose="020B0503020000020004" pitchFamily="50" charset="-127"/>
+                <a:ea typeface="맑은 고딕" panose="020B0503020000020004" pitchFamily="50" charset="-127"/>
+              </a:rPr>
+              <a:t>송</a:t>
+            </a:r>
+            <a:r>
+              <a:rPr lang="en-US" altLang="ko-KR" sz="1400">
+                <a:solidFill>
+                  <a:srgbClr val="24292F"/>
+                </a:solidFill>
+                <a:latin typeface="맑은 고딕" panose="020B0503020000020004" pitchFamily="50" charset="-127"/>
+                <a:ea typeface="맑은 고딕" panose="020B0503020000020004" pitchFamily="50" charset="-127"/>
+              </a:rPr>
+              <a:t>·</a:t>
+            </a:r>
+            <a:r>
+              <a:rPr lang="ko-KR" altLang="en-US" sz="1400">
+                <a:solidFill>
+                  <a:srgbClr val="24292F"/>
+                </a:solidFill>
+                <a:latin typeface="맑은 고딕" panose="020B0503020000020004" pitchFamily="50" charset="-127"/>
+                <a:ea typeface="맑은 고딕" panose="020B0503020000020004" pitchFamily="50" charset="-127"/>
+              </a:rPr>
+              <a:t>수신 가능한 상태로 만드는 작업</a:t>
+            </a:r>
             <a:endParaRPr lang="en-US" altLang="ko-KR" sz="1400">
               <a:solidFill>
                 <a:srgbClr val="24292F"/>
@@ -9977,9 +10073,6 @@
                     <p:cTn id="3" fill="hold">
                       <p:stCondLst>
                         <p:cond delay="indefinite"/>
-                        <p:cond evt="onBegin" delay="0">
-                          <p:tn val="2"/>
-                        </p:cond>
                       </p:stCondLst>
                       <p:childTnLst>
                         <p:par>
@@ -9989,7 +10082,7 @@
                             </p:stCondLst>
                             <p:childTnLst>
                               <p:par>
-                                <p:cTn id="5" presetID="1" presetClass="entr" presetSubtype="0" fill="hold" grpId="0" nodeType="withEffect">
+                                <p:cTn id="5" presetID="1" presetClass="entr" presetSubtype="0" fill="hold" grpId="0" nodeType="clickEffect">
                                   <p:stCondLst>
                                     <p:cond delay="0"/>
                                   </p:stCondLst>
@@ -9997,6 +10090,150 @@
                                     <p:set>
                                       <p:cBhvr>
                                         <p:cTn id="6" dur="1" fill="hold">
+                                          <p:stCondLst>
+                                            <p:cond delay="0"/>
+                                          </p:stCondLst>
+                                        </p:cTn>
+                                        <p:tgtEl>
+                                          <p:spTgt spid="11"/>
+                                        </p:tgtEl>
+                                        <p:attrNameLst>
+                                          <p:attrName>style.visibility</p:attrName>
+                                        </p:attrNameLst>
+                                      </p:cBhvr>
+                                      <p:to>
+                                        <p:strVal val="visible"/>
+                                      </p:to>
+                                    </p:set>
+                                  </p:childTnLst>
+                                </p:cTn>
+                              </p:par>
+                              <p:par>
+                                <p:cTn id="7" presetID="1" presetClass="entr" presetSubtype="0" fill="hold" nodeType="withEffect">
+                                  <p:stCondLst>
+                                    <p:cond delay="0"/>
+                                  </p:stCondLst>
+                                  <p:childTnLst>
+                                    <p:set>
+                                      <p:cBhvr>
+                                        <p:cTn id="8" dur="1" fill="hold">
+                                          <p:stCondLst>
+                                            <p:cond delay="0"/>
+                                          </p:stCondLst>
+                                        </p:cTn>
+                                        <p:tgtEl>
+                                          <p:spTgt spid="5"/>
+                                        </p:tgtEl>
+                                        <p:attrNameLst>
+                                          <p:attrName>style.visibility</p:attrName>
+                                        </p:attrNameLst>
+                                      </p:cBhvr>
+                                      <p:to>
+                                        <p:strVal val="visible"/>
+                                      </p:to>
+                                    </p:set>
+                                  </p:childTnLst>
+                                </p:cTn>
+                              </p:par>
+                            </p:childTnLst>
+                          </p:cTn>
+                        </p:par>
+                      </p:childTnLst>
+                    </p:cTn>
+                  </p:par>
+                  <p:par>
+                    <p:cTn id="9" fill="hold">
+                      <p:stCondLst>
+                        <p:cond delay="indefinite"/>
+                      </p:stCondLst>
+                      <p:childTnLst>
+                        <p:par>
+                          <p:cTn id="10" fill="hold">
+                            <p:stCondLst>
+                              <p:cond delay="0"/>
+                            </p:stCondLst>
+                            <p:childTnLst>
+                              <p:par>
+                                <p:cTn id="11" presetID="1" presetClass="entr" presetSubtype="0" fill="hold" grpId="0" nodeType="clickEffect">
+                                  <p:stCondLst>
+                                    <p:cond delay="0"/>
+                                  </p:stCondLst>
+                                  <p:childTnLst>
+                                    <p:set>
+                                      <p:cBhvr>
+                                        <p:cTn id="12" dur="1" fill="hold">
+                                          <p:stCondLst>
+                                            <p:cond delay="0"/>
+                                          </p:stCondLst>
+                                        </p:cTn>
+                                        <p:tgtEl>
+                                          <p:spTgt spid="12"/>
+                                        </p:tgtEl>
+                                        <p:attrNameLst>
+                                          <p:attrName>style.visibility</p:attrName>
+                                        </p:attrNameLst>
+                                      </p:cBhvr>
+                                      <p:to>
+                                        <p:strVal val="visible"/>
+                                      </p:to>
+                                    </p:set>
+                                  </p:childTnLst>
+                                </p:cTn>
+                              </p:par>
+                              <p:par>
+                                <p:cTn id="13" presetID="1" presetClass="entr" presetSubtype="0" fill="hold" nodeType="withEffect">
+                                  <p:stCondLst>
+                                    <p:cond delay="0"/>
+                                  </p:stCondLst>
+                                  <p:childTnLst>
+                                    <p:set>
+                                      <p:cBhvr>
+                                        <p:cTn id="14" dur="1" fill="hold">
+                                          <p:stCondLst>
+                                            <p:cond delay="0"/>
+                                          </p:stCondLst>
+                                        </p:cTn>
+                                        <p:tgtEl>
+                                          <p:spTgt spid="7"/>
+                                        </p:tgtEl>
+                                        <p:attrNameLst>
+                                          <p:attrName>style.visibility</p:attrName>
+                                        </p:attrNameLst>
+                                      </p:cBhvr>
+                                      <p:to>
+                                        <p:strVal val="visible"/>
+                                      </p:to>
+                                    </p:set>
+                                  </p:childTnLst>
+                                </p:cTn>
+                              </p:par>
+                            </p:childTnLst>
+                          </p:cTn>
+                        </p:par>
+                      </p:childTnLst>
+                    </p:cTn>
+                  </p:par>
+                  <p:par>
+                    <p:cTn id="15" fill="hold">
+                      <p:stCondLst>
+                        <p:cond delay="indefinite"/>
+                      </p:stCondLst>
+                      <p:childTnLst>
+                        <p:par>
+                          <p:cTn id="16" fill="hold">
+                            <p:stCondLst>
+                              <p:cond delay="0"/>
+                            </p:stCondLst>
+                            <p:childTnLst>
+                              <p:par>
+                                <p:cTn id="17" presetID="1" presetClass="entr" presetSubtype="0" fill="hold" grpId="0" nodeType="clickEffect">
+                                  <p:stCondLst>
+                                    <p:cond delay="0"/>
+                                  </p:stCondLst>
+                                  <p:childTnLst>
+                                    <p:set>
+                                      <p:cBhvr>
+                                        <p:cTn id="18" dur="1" fill="hold">
                                           <p:stCondLst>
                                             <p:cond delay="0"/>
                                           </p:stCondLst>
@@ -10016,14 +10253,68 @@
                                 </p:cTn>
                               </p:par>
                               <p:par>
-                                <p:cTn id="7" presetID="1" presetClass="entr" presetSubtype="0" fill="hold" grpId="0" nodeType="withEffect">
+                                <p:cTn id="19" presetID="1" presetClass="entr" presetSubtype="0" fill="hold" nodeType="withEffect">
                                   <p:stCondLst>
                                     <p:cond delay="0"/>
                                   </p:stCondLst>
                                   <p:childTnLst>
                                     <p:set>
                                       <p:cBhvr>
-                                        <p:cTn id="8" dur="1" fill="hold">
+                                        <p:cTn id="20" dur="1" fill="hold">
+                                          <p:stCondLst>
+                                            <p:cond delay="0"/>
+                                          </p:stCondLst>
+                                        </p:cTn>
+                                        <p:tgtEl>
+                                          <p:spTgt spid="14"/>
+                                        </p:tgtEl>
+                                        <p:attrNameLst>
+                                          <p:attrName>style.visibility</p:attrName>
+                                        </p:attrNameLst>
+                                      </p:cBhvr>
+                                      <p:to>
+                                        <p:strVal val="visible"/>
+                                      </p:to>
+                                    </p:set>
+                                  </p:childTnLst>
+                                </p:cTn>
+                              </p:par>
+                              <p:par>
+                                <p:cTn id="21" presetID="1" presetClass="entr" presetSubtype="0" fill="hold" nodeType="withEffect">
+                                  <p:stCondLst>
+                                    <p:cond delay="0"/>
+                                  </p:stCondLst>
+                                  <p:childTnLst>
+                                    <p:set>
+                                      <p:cBhvr>
+                                        <p:cTn id="22" dur="1" fill="hold">
+                                          <p:stCondLst>
+                                            <p:cond delay="0"/>
+                                          </p:stCondLst>
+                                        </p:cTn>
+                                        <p:tgtEl>
+                                          <p:spTgt spid="19"/>
+                                        </p:tgtEl>
+                                        <p:attrNameLst>
+                                          <p:attrName>style.visibility</p:attrName>
+                                        </p:attrNameLst>
+                                      </p:cBhvr>
+                                      <p:to>
+                                        <p:strVal val="visible"/>
+                                      </p:to>
+                                    </p:set>
+                                  </p:childTnLst>
+                                </p:cTn>
+                              </p:par>
+                              <p:par>
+                                <p:cTn id="23" presetID="1" presetClass="entr" presetSubtype="0" fill="hold" grpId="0" nodeType="withEffect">
+                                  <p:stCondLst>
+                                    <p:cond delay="0"/>
+                                  </p:stCondLst>
+                                  <p:childTnLst>
+                                    <p:set>
+                                      <p:cBhvr>
+                                        <p:cTn id="24" dur="1" fill="hold">
                                           <p:stCondLst>
                                             <p:cond delay="0"/>
                                           </p:stCondLst>
@@ -10070,6 +10361,8 @@
       </p:par>
     </p:tnLst>
     <p:bldLst>
+      <p:bldP spid="11" grpId="0"/>
+      <p:bldP spid="12" grpId="0"/>
       <p:bldP spid="16" grpId="0" animBg="1"/>
       <p:bldP spid="17" grpId="0" animBg="1"/>
     </p:bldLst>
@@ -10790,9 +11083,6 @@
                     <p:cTn id="3" fill="hold">
                       <p:stCondLst>
                         <p:cond delay="indefinite"/>
-                        <p:cond evt="onBegin" delay="0">
-                          <p:tn val="2"/>
-                        </p:cond>
                       </p:stCondLst>
                       <p:childTnLst>
                         <p:par>
@@ -10802,7 +11092,7 @@
                             </p:stCondLst>
                             <p:childTnLst>
                               <p:par>
-                                <p:cTn id="5" presetID="1" presetClass="entr" presetSubtype="0" fill="hold" grpId="0" nodeType="withEffect">
+                                <p:cTn id="5" presetID="1" presetClass="entr" presetSubtype="0" fill="hold" grpId="0" nodeType="clickEffect">
                                   <p:stCondLst>
                                     <p:cond delay="0"/>
                                   </p:stCondLst>
@@ -10816,6 +11106,33 @@
                                         </p:cTn>
                                         <p:tgtEl>
                                           <p:spTgt spid="10"/>
+                                        </p:tgtEl>
+                                        <p:attrNameLst>
+                                          <p:attrName>style.visibility</p:attrName>
+                                        </p:attrNameLst>
+                                      </p:cBhvr>
+                                      <p:to>
+                                        <p:strVal val="visible"/>
+                                      </p:to>
+                                    </p:set>
+                                  </p:childTnLst>
+                                </p:cTn>
+                              </p:par>
+                              <p:par>
+                                <p:cTn id="7" presetID="1" presetClass="entr" presetSubtype="0" fill="hold" nodeType="withEffect">
+                                  <p:stCondLst>
+                                    <p:cond delay="0"/>
+                                  </p:stCondLst>
+                                  <p:childTnLst>
+                                    <p:set>
+                                      <p:cBhvr>
+                                        <p:cTn id="8" dur="1" fill="hold">
+                                          <p:stCondLst>
+                                            <p:cond delay="0"/>
+                                          </p:stCondLst>
+                                        </p:cTn>
+                                        <p:tgtEl>
+                                          <p:spTgt spid="11"/>
                                         </p:tgtEl>
                                         <p:attrNameLst>
                                           <p:attrName>style.visibility</p:attrName>
